--- a/专题4：Openlayers/专题4：Openlayers.pptx
+++ b/专题4：Openlayers/专题4：Openlayers.pptx
@@ -1484,7 +1484,7 @@
           <a:p>
             <a:fld id="{563BFE93-0665-4629-AA61-1EA7865D7DFD}" type="datetimeFigureOut">
               <a:rPr lang="zh-CN" altLang="en-US" smtClean="0"/>
-              <a:t>2022/4/26</a:t>
+              <a:t>2022/4/27</a:t>
             </a:fld>
             <a:endParaRPr lang="zh-CN" altLang="en-US"/>
           </a:p>
@@ -1647,7 +1647,7 @@
           <a:p>
             <a:fld id="{563BFE93-0665-4629-AA61-1EA7865D7DFD}" type="datetimeFigureOut">
               <a:rPr lang="zh-CN" altLang="en-US" smtClean="0"/>
-              <a:t>2022/4/26</a:t>
+              <a:t>2022/4/27</a:t>
             </a:fld>
             <a:endParaRPr lang="zh-CN" altLang="en-US"/>
           </a:p>
@@ -1887,7 +1887,7 @@
           <a:p>
             <a:fld id="{563BFE93-0665-4629-AA61-1EA7865D7DFD}" type="datetimeFigureOut">
               <a:rPr lang="zh-CN" altLang="en-US" smtClean="0"/>
-              <a:t>2022/4/26</a:t>
+              <a:t>2022/4/27</a:t>
             </a:fld>
             <a:endParaRPr lang="zh-CN" altLang="en-US"/>
           </a:p>
@@ -2111,7 +2111,7 @@
           <a:p>
             <a:fld id="{563BFE93-0665-4629-AA61-1EA7865D7DFD}" type="datetimeFigureOut">
               <a:rPr lang="zh-CN" altLang="en-US" smtClean="0"/>
-              <a:t>2022/4/26</a:t>
+              <a:t>2022/4/27</a:t>
             </a:fld>
             <a:endParaRPr lang="zh-CN" altLang="en-US"/>
           </a:p>
@@ -2470,7 +2470,7 @@
           <a:p>
             <a:fld id="{563BFE93-0665-4629-AA61-1EA7865D7DFD}" type="datetimeFigureOut">
               <a:rPr lang="zh-CN" altLang="en-US" smtClean="0"/>
-              <a:t>2022/4/26</a:t>
+              <a:t>2022/4/27</a:t>
             </a:fld>
             <a:endParaRPr lang="zh-CN" altLang="en-US"/>
           </a:p>
@@ -2582,7 +2582,7 @@
           <a:p>
             <a:fld id="{563BFE93-0665-4629-AA61-1EA7865D7DFD}" type="datetimeFigureOut">
               <a:rPr lang="zh-CN" altLang="en-US" smtClean="0"/>
-              <a:t>2022/4/26</a:t>
+              <a:t>2022/4/27</a:t>
             </a:fld>
             <a:endParaRPr lang="zh-CN" altLang="en-US"/>
           </a:p>
@@ -2770,7 +2770,7 @@
           <a:p>
             <a:fld id="{563BFE93-0665-4629-AA61-1EA7865D7DFD}" type="datetimeFigureOut">
               <a:rPr lang="zh-CN" altLang="en-US" smtClean="0"/>
-              <a:t>2022/4/26</a:t>
+              <a:t>2022/4/27</a:t>
             </a:fld>
             <a:endParaRPr lang="zh-CN" altLang="en-US"/>
           </a:p>
@@ -3040,7 +3040,7 @@
           <a:p>
             <a:fld id="{563BFE93-0665-4629-AA61-1EA7865D7DFD}" type="datetimeFigureOut">
               <a:rPr lang="zh-CN" altLang="en-US" smtClean="0"/>
-              <a:t>2022/4/26</a:t>
+              <a:t>2022/4/27</a:t>
             </a:fld>
             <a:endParaRPr lang="zh-CN" altLang="en-US"/>
           </a:p>
@@ -3287,7 +3287,7 @@
           <a:p>
             <a:fld id="{563BFE93-0665-4629-AA61-1EA7865D7DFD}" type="datetimeFigureOut">
               <a:rPr lang="zh-CN" altLang="en-US" smtClean="0"/>
-              <a:t>2022/4/26</a:t>
+              <a:t>2022/4/27</a:t>
             </a:fld>
             <a:endParaRPr lang="zh-CN" altLang="en-US"/>
           </a:p>
@@ -3450,7 +3450,7 @@
           <a:p>
             <a:fld id="{563BFE93-0665-4629-AA61-1EA7865D7DFD}" type="datetimeFigureOut">
               <a:rPr lang="zh-CN" altLang="en-US" smtClean="0"/>
-              <a:t>2022/4/26</a:t>
+              <a:t>2022/4/27</a:t>
             </a:fld>
             <a:endParaRPr lang="zh-CN" altLang="en-US"/>
           </a:p>
@@ -3623,7 +3623,7 @@
           <a:p>
             <a:fld id="{563BFE93-0665-4629-AA61-1EA7865D7DFD}" type="datetimeFigureOut">
               <a:rPr lang="zh-CN" altLang="en-US" smtClean="0"/>
-              <a:t>2022/4/26</a:t>
+              <a:t>2022/4/27</a:t>
             </a:fld>
             <a:endParaRPr lang="zh-CN" altLang="en-US"/>
           </a:p>
@@ -5818,7 +5818,7 @@
           <a:p>
             <a:fld id="{563BFE93-0665-4629-AA61-1EA7865D7DFD}" type="datetimeFigureOut">
               <a:rPr lang="zh-CN" altLang="en-US" smtClean="0"/>
-              <a:t>2022/4/26</a:t>
+              <a:t>2022/4/27</a:t>
             </a:fld>
             <a:endParaRPr lang="zh-CN" altLang="en-US"/>
           </a:p>
@@ -6966,7 +6966,7 @@
                 <a:latin typeface="微软雅黑" panose="020B0503020204020204" pitchFamily="34" charset="-122"/>
                 <a:ea typeface="微软雅黑" panose="020B0503020204020204" pitchFamily="34" charset="-122"/>
               </a:rPr>
-              <a:t>示例代码</a:t>
+              <a:t>示例代码（两种开发方式）</a:t>
             </a:r>
             <a:endParaRPr lang="en-US" altLang="zh-CN" sz="2400" dirty="0">
               <a:solidFill>
@@ -7600,7 +7600,7 @@
                 <a:latin typeface="微软雅黑" panose="020B0503020204020204" pitchFamily="34" charset="-122"/>
                 <a:ea typeface="微软雅黑" panose="020B0503020204020204" pitchFamily="34" charset="-122"/>
               </a:rPr>
-              <a:t>示例代码</a:t>
+              <a:t>示例代码（两种开发方式）</a:t>
             </a:r>
             <a:endParaRPr lang="en-US" altLang="zh-CN" sz="2400" b="1" dirty="0">
               <a:solidFill>
